--- a/papers/2010-ICPP/images/partialsum.pptx
+++ b/papers/2010-ICPP/images/partialsum.pptx
@@ -1,6 +1,6 @@
 
 <file path=ppt/presentation.xml><?xml version="1.0" encoding="utf-8"?>
-<p:presentation xmlns:a="http://schemas.openxmlformats.org/drawingml/2006/main" xmlns:r="http://schemas.openxmlformats.org/officeDocument/2006/relationships" xmlns:mc="http://schemas.openxmlformats.org/markup-compatibility/2006" xmlns:mv="urn:schemas-microsoft-com:mac:vml" xmlns:p="http://schemas.openxmlformats.org/presentationml/2006/main" mc:Ignorable="mv" mc:PreserveAttributes="mv:*" saveSubsetFonts="1" autoCompressPictures="0">
+<p:presentation xmlns:a="http://schemas.openxmlformats.org/drawingml/2006/main" xmlns:r="http://schemas.openxmlformats.org/officeDocument/2006/relationships" xmlns:p="http://schemas.openxmlformats.org/presentationml/2006/main" saveSubsetFonts="1" autoCompressPictures="0">
   <p:sldMasterIdLst>
     <p:sldMasterId id="2147483648" r:id="rId1"/>
   </p:sldMasterIdLst>
@@ -108,7 +108,7 @@
 </file>
 
 <file path=ppt/slideLayouts/slideLayout1.xml><?xml version="1.0" encoding="utf-8"?>
-<p:sldLayout xmlns:a="http://schemas.openxmlformats.org/drawingml/2006/main" xmlns:r="http://schemas.openxmlformats.org/officeDocument/2006/relationships" xmlns:mc="http://schemas.openxmlformats.org/markup-compatibility/2006" xmlns:mv="urn:schemas-microsoft-com:mac:vml" xmlns:p="http://schemas.openxmlformats.org/presentationml/2006/main" mc:Ignorable="mv" mc:PreserveAttributes="mv:*" type="title" preserve="1">
+<p:sldLayout xmlns:a="http://schemas.openxmlformats.org/drawingml/2006/main" xmlns:r="http://schemas.openxmlformats.org/officeDocument/2006/relationships" xmlns:p="http://schemas.openxmlformats.org/presentationml/2006/main" type="title" preserve="1">
   <p:cSld name="Title Slide">
     <p:spTree>
       <p:nvGrpSpPr>
@@ -288,7 +288,8 @@
           <a:p>
             <a:fld id="{268DB075-DF6D-4B12-B5BB-CEB778FEBDC0}" type="datetimeFigureOut">
               <a:rPr lang="en-US" smtClean="0"/>
-              <a:t>2/11/10</a:t>
+              <a:pPr/>
+              <a:t>2/19/2010</a:t>
             </a:fld>
             <a:endParaRPr lang="en-US"/>
           </a:p>
@@ -330,6 +331,7 @@
           <a:p>
             <a:fld id="{85A90526-1DB3-4135-B93A-2ADC92300727}" type="slidenum">
               <a:rPr lang="en-US" smtClean="0"/>
+              <a:pPr/>
               <a:t>‹#›</a:t>
             </a:fld>
             <a:endParaRPr lang="en-US"/>
@@ -345,7 +347,7 @@
 </file>
 
 <file path=ppt/slideLayouts/slideLayout10.xml><?xml version="1.0" encoding="utf-8"?>
-<p:sldLayout xmlns:a="http://schemas.openxmlformats.org/drawingml/2006/main" xmlns:r="http://schemas.openxmlformats.org/officeDocument/2006/relationships" xmlns:mc="http://schemas.openxmlformats.org/markup-compatibility/2006" xmlns:mv="urn:schemas-microsoft-com:mac:vml" xmlns:p="http://schemas.openxmlformats.org/presentationml/2006/main" mc:Ignorable="mv" mc:PreserveAttributes="mv:*" type="vertTx" preserve="1">
+<p:sldLayout xmlns:a="http://schemas.openxmlformats.org/drawingml/2006/main" xmlns:r="http://schemas.openxmlformats.org/officeDocument/2006/relationships" xmlns:p="http://schemas.openxmlformats.org/presentationml/2006/main" type="vertTx" preserve="1">
   <p:cSld name="Title and Vertical Text">
     <p:spTree>
       <p:nvGrpSpPr>
@@ -453,7 +455,8 @@
           <a:p>
             <a:fld id="{268DB075-DF6D-4B12-B5BB-CEB778FEBDC0}" type="datetimeFigureOut">
               <a:rPr lang="en-US" smtClean="0"/>
-              <a:t>2/11/10</a:t>
+              <a:pPr/>
+              <a:t>2/19/2010</a:t>
             </a:fld>
             <a:endParaRPr lang="en-US"/>
           </a:p>
@@ -495,6 +498,7 @@
           <a:p>
             <a:fld id="{85A90526-1DB3-4135-B93A-2ADC92300727}" type="slidenum">
               <a:rPr lang="en-US" smtClean="0"/>
+              <a:pPr/>
               <a:t>‹#›</a:t>
             </a:fld>
             <a:endParaRPr lang="en-US"/>
@@ -510,7 +514,7 @@
 </file>
 
 <file path=ppt/slideLayouts/slideLayout11.xml><?xml version="1.0" encoding="utf-8"?>
-<p:sldLayout xmlns:a="http://schemas.openxmlformats.org/drawingml/2006/main" xmlns:r="http://schemas.openxmlformats.org/officeDocument/2006/relationships" xmlns:mc="http://schemas.openxmlformats.org/markup-compatibility/2006" xmlns:mv="urn:schemas-microsoft-com:mac:vml" xmlns:p="http://schemas.openxmlformats.org/presentationml/2006/main" mc:Ignorable="mv" mc:PreserveAttributes="mv:*" type="vertTitleAndTx" preserve="1">
+<p:sldLayout xmlns:a="http://schemas.openxmlformats.org/drawingml/2006/main" xmlns:r="http://schemas.openxmlformats.org/officeDocument/2006/relationships" xmlns:p="http://schemas.openxmlformats.org/presentationml/2006/main" type="vertTitleAndTx" preserve="1">
   <p:cSld name="Vertical Title and Text">
     <p:spTree>
       <p:nvGrpSpPr>
@@ -628,7 +632,8 @@
           <a:p>
             <a:fld id="{268DB075-DF6D-4B12-B5BB-CEB778FEBDC0}" type="datetimeFigureOut">
               <a:rPr lang="en-US" smtClean="0"/>
-              <a:t>2/11/10</a:t>
+              <a:pPr/>
+              <a:t>2/19/2010</a:t>
             </a:fld>
             <a:endParaRPr lang="en-US"/>
           </a:p>
@@ -670,6 +675,7 @@
           <a:p>
             <a:fld id="{85A90526-1DB3-4135-B93A-2ADC92300727}" type="slidenum">
               <a:rPr lang="en-US" smtClean="0"/>
+              <a:pPr/>
               <a:t>‹#›</a:t>
             </a:fld>
             <a:endParaRPr lang="en-US"/>
@@ -685,7 +691,7 @@
 </file>
 
 <file path=ppt/slideLayouts/slideLayout2.xml><?xml version="1.0" encoding="utf-8"?>
-<p:sldLayout xmlns:a="http://schemas.openxmlformats.org/drawingml/2006/main" xmlns:r="http://schemas.openxmlformats.org/officeDocument/2006/relationships" xmlns:mc="http://schemas.openxmlformats.org/markup-compatibility/2006" xmlns:mv="urn:schemas-microsoft-com:mac:vml" xmlns:p="http://schemas.openxmlformats.org/presentationml/2006/main" mc:Ignorable="mv" mc:PreserveAttributes="mv:*" type="obj" preserve="1">
+<p:sldLayout xmlns:a="http://schemas.openxmlformats.org/drawingml/2006/main" xmlns:r="http://schemas.openxmlformats.org/officeDocument/2006/relationships" xmlns:p="http://schemas.openxmlformats.org/presentationml/2006/main" type="obj" preserve="1">
   <p:cSld name="Title and Content">
     <p:spTree>
       <p:nvGrpSpPr>
@@ -793,7 +799,8 @@
           <a:p>
             <a:fld id="{268DB075-DF6D-4B12-B5BB-CEB778FEBDC0}" type="datetimeFigureOut">
               <a:rPr lang="en-US" smtClean="0"/>
-              <a:t>2/11/10</a:t>
+              <a:pPr/>
+              <a:t>2/19/2010</a:t>
             </a:fld>
             <a:endParaRPr lang="en-US"/>
           </a:p>
@@ -835,6 +842,7 @@
           <a:p>
             <a:fld id="{85A90526-1DB3-4135-B93A-2ADC92300727}" type="slidenum">
               <a:rPr lang="en-US" smtClean="0"/>
+              <a:pPr/>
               <a:t>‹#›</a:t>
             </a:fld>
             <a:endParaRPr lang="en-US"/>
@@ -850,7 +858,7 @@
 </file>
 
 <file path=ppt/slideLayouts/slideLayout3.xml><?xml version="1.0" encoding="utf-8"?>
-<p:sldLayout xmlns:a="http://schemas.openxmlformats.org/drawingml/2006/main" xmlns:r="http://schemas.openxmlformats.org/officeDocument/2006/relationships" xmlns:mc="http://schemas.openxmlformats.org/markup-compatibility/2006" xmlns:mv="urn:schemas-microsoft-com:mac:vml" xmlns:p="http://schemas.openxmlformats.org/presentationml/2006/main" mc:Ignorable="mv" mc:PreserveAttributes="mv:*" type="secHead" preserve="1">
+<p:sldLayout xmlns:a="http://schemas.openxmlformats.org/drawingml/2006/main" xmlns:r="http://schemas.openxmlformats.org/officeDocument/2006/relationships" xmlns:p="http://schemas.openxmlformats.org/presentationml/2006/main" type="secHead" preserve="1">
   <p:cSld name="Section Header">
     <p:spTree>
       <p:nvGrpSpPr>
@@ -1034,7 +1042,8 @@
           <a:p>
             <a:fld id="{268DB075-DF6D-4B12-B5BB-CEB778FEBDC0}" type="datetimeFigureOut">
               <a:rPr lang="en-US" smtClean="0"/>
-              <a:t>2/11/10</a:t>
+              <a:pPr/>
+              <a:t>2/19/2010</a:t>
             </a:fld>
             <a:endParaRPr lang="en-US"/>
           </a:p>
@@ -1076,6 +1085,7 @@
           <a:p>
             <a:fld id="{85A90526-1DB3-4135-B93A-2ADC92300727}" type="slidenum">
               <a:rPr lang="en-US" smtClean="0"/>
+              <a:pPr/>
               <a:t>‹#›</a:t>
             </a:fld>
             <a:endParaRPr lang="en-US"/>
@@ -1091,7 +1101,7 @@
 </file>
 
 <file path=ppt/slideLayouts/slideLayout4.xml><?xml version="1.0" encoding="utf-8"?>
-<p:sldLayout xmlns:a="http://schemas.openxmlformats.org/drawingml/2006/main" xmlns:r="http://schemas.openxmlformats.org/officeDocument/2006/relationships" xmlns:mc="http://schemas.openxmlformats.org/markup-compatibility/2006" xmlns:mv="urn:schemas-microsoft-com:mac:vml" xmlns:p="http://schemas.openxmlformats.org/presentationml/2006/main" mc:Ignorable="mv" mc:PreserveAttributes="mv:*" type="twoObj" preserve="1">
+<p:sldLayout xmlns:a="http://schemas.openxmlformats.org/drawingml/2006/main" xmlns:r="http://schemas.openxmlformats.org/officeDocument/2006/relationships" xmlns:p="http://schemas.openxmlformats.org/presentationml/2006/main" type="twoObj" preserve="1">
   <p:cSld name="Two Content">
     <p:spTree>
       <p:nvGrpSpPr>
@@ -1317,7 +1327,8 @@
           <a:p>
             <a:fld id="{268DB075-DF6D-4B12-B5BB-CEB778FEBDC0}" type="datetimeFigureOut">
               <a:rPr lang="en-US" smtClean="0"/>
-              <a:t>2/11/10</a:t>
+              <a:pPr/>
+              <a:t>2/19/2010</a:t>
             </a:fld>
             <a:endParaRPr lang="en-US"/>
           </a:p>
@@ -1359,6 +1370,7 @@
           <a:p>
             <a:fld id="{85A90526-1DB3-4135-B93A-2ADC92300727}" type="slidenum">
               <a:rPr lang="en-US" smtClean="0"/>
+              <a:pPr/>
               <a:t>‹#›</a:t>
             </a:fld>
             <a:endParaRPr lang="en-US"/>
@@ -1374,7 +1386,7 @@
 </file>
 
 <file path=ppt/slideLayouts/slideLayout5.xml><?xml version="1.0" encoding="utf-8"?>
-<p:sldLayout xmlns:a="http://schemas.openxmlformats.org/drawingml/2006/main" xmlns:r="http://schemas.openxmlformats.org/officeDocument/2006/relationships" xmlns:mc="http://schemas.openxmlformats.org/markup-compatibility/2006" xmlns:mv="urn:schemas-microsoft-com:mac:vml" xmlns:p="http://schemas.openxmlformats.org/presentationml/2006/main" mc:Ignorable="mv" mc:PreserveAttributes="mv:*" type="twoTxTwoObj" preserve="1">
+<p:sldLayout xmlns:a="http://schemas.openxmlformats.org/drawingml/2006/main" xmlns:r="http://schemas.openxmlformats.org/officeDocument/2006/relationships" xmlns:p="http://schemas.openxmlformats.org/presentationml/2006/main" type="twoTxTwoObj" preserve="1">
   <p:cSld name="Comparison">
     <p:spTree>
       <p:nvGrpSpPr>
@@ -1734,7 +1746,8 @@
           <a:p>
             <a:fld id="{268DB075-DF6D-4B12-B5BB-CEB778FEBDC0}" type="datetimeFigureOut">
               <a:rPr lang="en-US" smtClean="0"/>
-              <a:t>2/11/10</a:t>
+              <a:pPr/>
+              <a:t>2/19/2010</a:t>
             </a:fld>
             <a:endParaRPr lang="en-US"/>
           </a:p>
@@ -1776,6 +1789,7 @@
           <a:p>
             <a:fld id="{85A90526-1DB3-4135-B93A-2ADC92300727}" type="slidenum">
               <a:rPr lang="en-US" smtClean="0"/>
+              <a:pPr/>
               <a:t>‹#›</a:t>
             </a:fld>
             <a:endParaRPr lang="en-US"/>
@@ -1791,7 +1805,7 @@
 </file>
 
 <file path=ppt/slideLayouts/slideLayout6.xml><?xml version="1.0" encoding="utf-8"?>
-<p:sldLayout xmlns:a="http://schemas.openxmlformats.org/drawingml/2006/main" xmlns:r="http://schemas.openxmlformats.org/officeDocument/2006/relationships" xmlns:mc="http://schemas.openxmlformats.org/markup-compatibility/2006" xmlns:mv="urn:schemas-microsoft-com:mac:vml" xmlns:p="http://schemas.openxmlformats.org/presentationml/2006/main" mc:Ignorable="mv" mc:PreserveAttributes="mv:*" type="titleOnly" preserve="1">
+<p:sldLayout xmlns:a="http://schemas.openxmlformats.org/drawingml/2006/main" xmlns:r="http://schemas.openxmlformats.org/officeDocument/2006/relationships" xmlns:p="http://schemas.openxmlformats.org/presentationml/2006/main" type="titleOnly" preserve="1">
   <p:cSld name="Title Only">
     <p:spTree>
       <p:nvGrpSpPr>
@@ -1847,7 +1861,8 @@
           <a:p>
             <a:fld id="{268DB075-DF6D-4B12-B5BB-CEB778FEBDC0}" type="datetimeFigureOut">
               <a:rPr lang="en-US" smtClean="0"/>
-              <a:t>2/11/10</a:t>
+              <a:pPr/>
+              <a:t>2/19/2010</a:t>
             </a:fld>
             <a:endParaRPr lang="en-US"/>
           </a:p>
@@ -1889,6 +1904,7 @@
           <a:p>
             <a:fld id="{85A90526-1DB3-4135-B93A-2ADC92300727}" type="slidenum">
               <a:rPr lang="en-US" smtClean="0"/>
+              <a:pPr/>
               <a:t>‹#›</a:t>
             </a:fld>
             <a:endParaRPr lang="en-US"/>
@@ -1904,7 +1920,7 @@
 </file>
 
 <file path=ppt/slideLayouts/slideLayout7.xml><?xml version="1.0" encoding="utf-8"?>
-<p:sldLayout xmlns:a="http://schemas.openxmlformats.org/drawingml/2006/main" xmlns:r="http://schemas.openxmlformats.org/officeDocument/2006/relationships" xmlns:mc="http://schemas.openxmlformats.org/markup-compatibility/2006" xmlns:mv="urn:schemas-microsoft-com:mac:vml" xmlns:p="http://schemas.openxmlformats.org/presentationml/2006/main" mc:Ignorable="mv" mc:PreserveAttributes="mv:*" type="blank" preserve="1">
+<p:sldLayout xmlns:a="http://schemas.openxmlformats.org/drawingml/2006/main" xmlns:r="http://schemas.openxmlformats.org/officeDocument/2006/relationships" xmlns:p="http://schemas.openxmlformats.org/presentationml/2006/main" type="blank" preserve="1">
   <p:cSld name="Blank">
     <p:spTree>
       <p:nvGrpSpPr>
@@ -1937,7 +1953,8 @@
           <a:p>
             <a:fld id="{268DB075-DF6D-4B12-B5BB-CEB778FEBDC0}" type="datetimeFigureOut">
               <a:rPr lang="en-US" smtClean="0"/>
-              <a:t>2/11/10</a:t>
+              <a:pPr/>
+              <a:t>2/19/2010</a:t>
             </a:fld>
             <a:endParaRPr lang="en-US"/>
           </a:p>
@@ -1979,6 +1996,7 @@
           <a:p>
             <a:fld id="{85A90526-1DB3-4135-B93A-2ADC92300727}" type="slidenum">
               <a:rPr lang="en-US" smtClean="0"/>
+              <a:pPr/>
               <a:t>‹#›</a:t>
             </a:fld>
             <a:endParaRPr lang="en-US"/>
@@ -1994,7 +2012,7 @@
 </file>
 
 <file path=ppt/slideLayouts/slideLayout8.xml><?xml version="1.0" encoding="utf-8"?>
-<p:sldLayout xmlns:a="http://schemas.openxmlformats.org/drawingml/2006/main" xmlns:r="http://schemas.openxmlformats.org/officeDocument/2006/relationships" xmlns:mc="http://schemas.openxmlformats.org/markup-compatibility/2006" xmlns:mv="urn:schemas-microsoft-com:mac:vml" xmlns:p="http://schemas.openxmlformats.org/presentationml/2006/main" mc:Ignorable="mv" mc:PreserveAttributes="mv:*" type="objTx" preserve="1">
+<p:sldLayout xmlns:a="http://schemas.openxmlformats.org/drawingml/2006/main" xmlns:r="http://schemas.openxmlformats.org/officeDocument/2006/relationships" xmlns:p="http://schemas.openxmlformats.org/presentationml/2006/main" type="objTx" preserve="1">
   <p:cSld name="Content with Caption">
     <p:spTree>
       <p:nvGrpSpPr>
@@ -2209,7 +2227,8 @@
           <a:p>
             <a:fld id="{268DB075-DF6D-4B12-B5BB-CEB778FEBDC0}" type="datetimeFigureOut">
               <a:rPr lang="en-US" smtClean="0"/>
-              <a:t>2/11/10</a:t>
+              <a:pPr/>
+              <a:t>2/19/2010</a:t>
             </a:fld>
             <a:endParaRPr lang="en-US"/>
           </a:p>
@@ -2251,6 +2270,7 @@
           <a:p>
             <a:fld id="{85A90526-1DB3-4135-B93A-2ADC92300727}" type="slidenum">
               <a:rPr lang="en-US" smtClean="0"/>
+              <a:pPr/>
               <a:t>‹#›</a:t>
             </a:fld>
             <a:endParaRPr lang="en-US"/>
@@ -2266,7 +2286,7 @@
 </file>
 
 <file path=ppt/slideLayouts/slideLayout9.xml><?xml version="1.0" encoding="utf-8"?>
-<p:sldLayout xmlns:a="http://schemas.openxmlformats.org/drawingml/2006/main" xmlns:r="http://schemas.openxmlformats.org/officeDocument/2006/relationships" xmlns:mc="http://schemas.openxmlformats.org/markup-compatibility/2006" xmlns:mv="urn:schemas-microsoft-com:mac:vml" xmlns:p="http://schemas.openxmlformats.org/presentationml/2006/main" mc:Ignorable="mv" mc:PreserveAttributes="mv:*" type="picTx" preserve="1">
+<p:sldLayout xmlns:a="http://schemas.openxmlformats.org/drawingml/2006/main" xmlns:r="http://schemas.openxmlformats.org/officeDocument/2006/relationships" xmlns:p="http://schemas.openxmlformats.org/presentationml/2006/main" type="picTx" preserve="1">
   <p:cSld name="Picture with Caption">
     <p:spTree>
       <p:nvGrpSpPr>
@@ -2457,7 +2477,8 @@
           <a:p>
             <a:fld id="{268DB075-DF6D-4B12-B5BB-CEB778FEBDC0}" type="datetimeFigureOut">
               <a:rPr lang="en-US" smtClean="0"/>
-              <a:t>2/11/10</a:t>
+              <a:pPr/>
+              <a:t>2/19/2010</a:t>
             </a:fld>
             <a:endParaRPr lang="en-US"/>
           </a:p>
@@ -2499,6 +2520,7 @@
           <a:p>
             <a:fld id="{85A90526-1DB3-4135-B93A-2ADC92300727}" type="slidenum">
               <a:rPr lang="en-US" smtClean="0"/>
+              <a:pPr/>
               <a:t>‹#›</a:t>
             </a:fld>
             <a:endParaRPr lang="en-US"/>
@@ -2514,7 +2536,7 @@
 </file>
 
 <file path=ppt/slideMasters/slideMaster1.xml><?xml version="1.0" encoding="utf-8"?>
-<p:sldMaster xmlns:a="http://schemas.openxmlformats.org/drawingml/2006/main" xmlns:r="http://schemas.openxmlformats.org/officeDocument/2006/relationships" xmlns:mc="http://schemas.openxmlformats.org/markup-compatibility/2006" xmlns:mv="urn:schemas-microsoft-com:mac:vml" xmlns:p="http://schemas.openxmlformats.org/presentationml/2006/main" mc:Ignorable="mv" mc:PreserveAttributes="mv:*">
+<p:sldMaster xmlns:a="http://schemas.openxmlformats.org/drawingml/2006/main" xmlns:r="http://schemas.openxmlformats.org/officeDocument/2006/relationships" xmlns:p="http://schemas.openxmlformats.org/presentationml/2006/main">
   <p:cSld>
     <p:bg>
       <p:bgRef idx="1001">
@@ -2665,7 +2687,8 @@
           <a:p>
             <a:fld id="{268DB075-DF6D-4B12-B5BB-CEB778FEBDC0}" type="datetimeFigureOut">
               <a:rPr lang="en-US" smtClean="0"/>
-              <a:t>2/11/10</a:t>
+              <a:pPr/>
+              <a:t>2/19/2010</a:t>
             </a:fld>
             <a:endParaRPr lang="en-US"/>
           </a:p>
@@ -2743,6 +2766,7 @@
           <a:p>
             <a:fld id="{85A90526-1DB3-4135-B93A-2ADC92300727}" type="slidenum">
               <a:rPr lang="en-US" smtClean="0"/>
+              <a:pPr/>
               <a:t>‹#›</a:t>
             </a:fld>
             <a:endParaRPr lang="en-US"/>
@@ -3019,7 +3043,7 @@
 </file>
 
 <file path=ppt/slides/slide1.xml><?xml version="1.0" encoding="utf-8"?>
-<p:sld xmlns:a="http://schemas.openxmlformats.org/drawingml/2006/main" xmlns:r="http://schemas.openxmlformats.org/officeDocument/2006/relationships" xmlns:mc="http://schemas.openxmlformats.org/markup-compatibility/2006" xmlns:mv="urn:schemas-microsoft-com:mac:vml" xmlns:p="http://schemas.openxmlformats.org/presentationml/2006/main" mc:Ignorable="mv" mc:PreserveAttributes="mv:*">
+<p:sld xmlns:a="http://schemas.openxmlformats.org/drawingml/2006/main" xmlns:r="http://schemas.openxmlformats.org/officeDocument/2006/relationships" xmlns:p="http://schemas.openxmlformats.org/presentationml/2006/main">
   <p:cSld>
     <p:spTree>
       <p:nvGrpSpPr>
@@ -3043,7 +3067,7 @@
         </p:nvCxnSpPr>
         <p:spPr>
           <a:xfrm>
-            <a:off x="1704239" y="1342913"/>
+            <a:off x="1704239" y="1336561"/>
             <a:ext cx="1530558" cy="1588"/>
           </a:xfrm>
           <a:prstGeom prst="straightConnector1">
@@ -3076,7 +3100,7 @@
         </p:nvCxnSpPr>
         <p:spPr>
           <a:xfrm>
-            <a:off x="3387197" y="1344501"/>
+            <a:off x="3387197" y="1338149"/>
             <a:ext cx="1530558" cy="1588"/>
           </a:xfrm>
           <a:prstGeom prst="straightConnector1">
@@ -3109,7 +3133,7 @@
         </p:nvCxnSpPr>
         <p:spPr>
           <a:xfrm>
-            <a:off x="5058871" y="1341325"/>
+            <a:off x="5058871" y="1334973"/>
             <a:ext cx="1530558" cy="1588"/>
           </a:xfrm>
           <a:prstGeom prst="straightConnector1">
@@ -3142,7 +3166,7 @@
         </p:nvCxnSpPr>
         <p:spPr>
           <a:xfrm>
-            <a:off x="6730545" y="1346089"/>
+            <a:off x="6730545" y="1339737"/>
             <a:ext cx="1530558" cy="1588"/>
           </a:xfrm>
           <a:prstGeom prst="straightConnector1">
@@ -3205,10 +3229,7 @@
           </a:p>
           <a:p>
             <a:pPr algn="ctr"/>
-            <a:r>
-              <a:rPr lang="en-US" dirty="0" smtClean="0"/>
-              <a:t/>
-            </a:r>
+            <a:endParaRPr/>
           </a:p>
           <a:p>
             <a:pPr algn="ctr"/>
@@ -3258,10 +3279,7 @@
           </a:p>
           <a:p>
             <a:pPr algn="ctr"/>
-            <a:r>
-              <a:rPr lang="en-US" dirty="0" smtClean="0"/>
-              <a:t/>
-            </a:r>
+            <a:endParaRPr/>
           </a:p>
           <a:p>
             <a:pPr algn="ctr"/>
@@ -3311,10 +3329,7 @@
           </a:p>
           <a:p>
             <a:pPr algn="ctr"/>
-            <a:r>
-              <a:rPr lang="en-US" dirty="0" smtClean="0"/>
-              <a:t/>
-            </a:r>
+            <a:endParaRPr/>
           </a:p>
           <a:p>
             <a:pPr algn="ctr"/>
@@ -3364,10 +3379,7 @@
           </a:p>
           <a:p>
             <a:pPr algn="ctr"/>
-            <a:r>
-              <a:rPr lang="en-US" dirty="0" smtClean="0"/>
-              <a:t/>
-            </a:r>
+            <a:endParaRPr/>
           </a:p>
           <a:p>
             <a:pPr algn="ctr"/>
@@ -3417,10 +3429,7 @@
           </a:p>
           <a:p>
             <a:pPr algn="ctr"/>
-            <a:r>
-              <a:rPr lang="en-US" dirty="0" smtClean="0"/>
-              <a:t/>
-            </a:r>
+            <a:endParaRPr/>
           </a:p>
           <a:p>
             <a:pPr algn="ctr"/>
@@ -3470,10 +3479,7 @@
           </a:p>
           <a:p>
             <a:pPr algn="ctr"/>
-            <a:r>
-              <a:rPr lang="en-US" dirty="0" smtClean="0"/>
-              <a:t/>
-            </a:r>
+            <a:endParaRPr/>
           </a:p>
           <a:p>
             <a:pPr algn="ctr"/>
@@ -3523,10 +3529,7 @@
           </a:p>
           <a:p>
             <a:pPr algn="ctr"/>
-            <a:r>
-              <a:rPr lang="en-US" dirty="0" smtClean="0"/>
-              <a:t/>
-            </a:r>
+            <a:endParaRPr/>
           </a:p>
           <a:p>
             <a:pPr algn="ctr"/>
@@ -3576,10 +3579,7 @@
           </a:p>
           <a:p>
             <a:pPr algn="ctr"/>
-            <a:r>
-              <a:rPr lang="en-US" dirty="0" smtClean="0"/>
-              <a:t/>
-            </a:r>
+            <a:endParaRPr/>
           </a:p>
           <a:p>
             <a:pPr algn="ctr"/>
@@ -3599,8 +3599,8 @@
         </p:nvSpPr>
         <p:spPr>
           <a:xfrm>
-            <a:off x="6394039" y="1767162"/>
-            <a:ext cx="195390" cy="187261"/>
+            <a:off x="6406549" y="1767162"/>
+            <a:ext cx="182880" cy="182880"/>
           </a:xfrm>
           <a:prstGeom prst="rect">
             <a:avLst/>
@@ -3640,8 +3640,8 @@
         </p:nvSpPr>
         <p:spPr>
           <a:xfrm>
-            <a:off x="8065713" y="1767162"/>
-            <a:ext cx="195390" cy="187261"/>
+            <a:off x="8078223" y="1767162"/>
+            <a:ext cx="182880" cy="182880"/>
           </a:xfrm>
           <a:prstGeom prst="rect">
             <a:avLst/>
@@ -3681,8 +3681,8 @@
         </p:nvSpPr>
         <p:spPr>
           <a:xfrm>
-            <a:off x="4722365" y="1771651"/>
-            <a:ext cx="195390" cy="187261"/>
+            <a:off x="4734875" y="1767162"/>
+            <a:ext cx="182880" cy="182880"/>
           </a:xfrm>
           <a:prstGeom prst="rect">
             <a:avLst/>
@@ -3722,8 +3722,8 @@
         </p:nvSpPr>
         <p:spPr>
           <a:xfrm>
-            <a:off x="3039407" y="1767162"/>
-            <a:ext cx="195390" cy="187261"/>
+            <a:off x="3057695" y="1767162"/>
+            <a:ext cx="182880" cy="182880"/>
           </a:xfrm>
           <a:prstGeom prst="rect">
             <a:avLst/>
@@ -3763,8 +3763,8 @@
         </p:nvSpPr>
         <p:spPr>
           <a:xfrm>
-            <a:off x="1704239" y="2111312"/>
-            <a:ext cx="195390" cy="187261"/>
+            <a:off x="1704239" y="2024527"/>
+            <a:ext cx="182880" cy="182880"/>
           </a:xfrm>
           <a:prstGeom prst="rect">
             <a:avLst/>
@@ -3798,20 +3798,20 @@
       </p:sp>
       <p:sp>
         <p:nvSpPr>
-          <p:cNvPr id="47" name="Rectangle 46"/>
+          <p:cNvPr id="50" name="Rectangle 49"/>
           <p:cNvSpPr/>
           <p:nvPr/>
         </p:nvSpPr>
         <p:spPr>
           <a:xfrm>
-            <a:off x="3387197" y="2111312"/>
-            <a:ext cx="195390" cy="187261"/>
+            <a:off x="1887119" y="2024527"/>
+            <a:ext cx="182880" cy="182880"/>
           </a:xfrm>
           <a:prstGeom prst="rect">
             <a:avLst/>
           </a:prstGeom>
           <a:solidFill>
-            <a:schemeClr val="accent2"/>
+            <a:schemeClr val="accent3"/>
           </a:solidFill>
         </p:spPr>
         <p:style>
@@ -3839,20 +3839,20 @@
       </p:sp>
       <p:sp>
         <p:nvSpPr>
-          <p:cNvPr id="48" name="Rectangle 47"/>
+          <p:cNvPr id="55" name="Rectangle 54"/>
           <p:cNvSpPr/>
           <p:nvPr/>
         </p:nvSpPr>
         <p:spPr>
           <a:xfrm>
-            <a:off x="5058871" y="2111312"/>
-            <a:ext cx="195390" cy="187261"/>
+            <a:off x="2069999" y="2024527"/>
+            <a:ext cx="182880" cy="182880"/>
           </a:xfrm>
           <a:prstGeom prst="rect">
             <a:avLst/>
           </a:prstGeom>
           <a:solidFill>
-            <a:schemeClr val="accent2"/>
+            <a:schemeClr val="accent4"/>
           </a:solidFill>
         </p:spPr>
         <p:style>
@@ -3880,20 +3880,20 @@
       </p:sp>
       <p:sp>
         <p:nvSpPr>
-          <p:cNvPr id="49" name="Rectangle 48"/>
+          <p:cNvPr id="59" name="Rectangle 58"/>
           <p:cNvSpPr/>
           <p:nvPr/>
         </p:nvSpPr>
         <p:spPr>
           <a:xfrm>
-            <a:off x="6730545" y="2111312"/>
-            <a:ext cx="195390" cy="187261"/>
+            <a:off x="2252879" y="2024527"/>
+            <a:ext cx="182880" cy="182880"/>
           </a:xfrm>
           <a:prstGeom prst="rect">
             <a:avLst/>
           </a:prstGeom>
           <a:solidFill>
-            <a:schemeClr val="accent2"/>
+            <a:schemeClr val="accent6"/>
           </a:solidFill>
         </p:spPr>
         <p:style>
@@ -3921,21 +3921,18 @@
       </p:sp>
       <p:sp>
         <p:nvSpPr>
-          <p:cNvPr id="50" name="Rectangle 49"/>
+          <p:cNvPr id="63" name="Rectangle 62"/>
           <p:cNvSpPr/>
           <p:nvPr/>
         </p:nvSpPr>
         <p:spPr>
-          <a:xfrm>
-            <a:off x="1899629" y="2111312"/>
-            <a:ext cx="195390" cy="187261"/>
+          <a:xfrm flipV="1">
+            <a:off x="1704239" y="2674540"/>
+            <a:ext cx="1530558" cy="187261"/>
           </a:xfrm>
           <a:prstGeom prst="rect">
             <a:avLst/>
           </a:prstGeom>
-          <a:solidFill>
-            <a:schemeClr val="accent3"/>
-          </a:solidFill>
         </p:spPr>
         <p:style>
           <a:lnRef idx="1">
@@ -3956,27 +3953,36 @@
           <a:lstStyle/>
           <a:p>
             <a:pPr algn="ctr"/>
-            <a:endParaRPr lang="en-US"/>
-          </a:p>
-        </p:txBody>
-      </p:sp>
-      <p:sp>
-        <p:nvSpPr>
-          <p:cNvPr id="51" name="Rectangle 50"/>
+            <a:endParaRPr lang="en-US" dirty="0" smtClean="0"/>
+          </a:p>
+          <a:p>
+            <a:pPr algn="ctr"/>
+            <a:endParaRPr/>
+          </a:p>
+          <a:p>
+            <a:pPr algn="ctr"/>
+            <a:endParaRPr lang="en-US" dirty="0" smtClean="0"/>
+          </a:p>
+          <a:p>
+            <a:pPr algn="ctr"/>
+            <a:endParaRPr lang="en-US" dirty="0"/>
+          </a:p>
+        </p:txBody>
+      </p:sp>
+      <p:sp>
+        <p:nvSpPr>
+          <p:cNvPr id="64" name="Rectangle 63"/>
           <p:cNvSpPr/>
           <p:nvPr/>
         </p:nvSpPr>
         <p:spPr>
-          <a:xfrm>
-            <a:off x="3582587" y="2111312"/>
-            <a:ext cx="195390" cy="187261"/>
+          <a:xfrm flipV="1">
+            <a:off x="3387197" y="2674540"/>
+            <a:ext cx="1530558" cy="187261"/>
           </a:xfrm>
           <a:prstGeom prst="rect">
             <a:avLst/>
           </a:prstGeom>
-          <a:solidFill>
-            <a:schemeClr val="accent3"/>
-          </a:solidFill>
         </p:spPr>
         <p:style>
           <a:lnRef idx="1">
@@ -3997,27 +4003,36 @@
           <a:lstStyle/>
           <a:p>
             <a:pPr algn="ctr"/>
-            <a:endParaRPr lang="en-US"/>
-          </a:p>
-        </p:txBody>
-      </p:sp>
-      <p:sp>
-        <p:nvSpPr>
-          <p:cNvPr id="52" name="Rectangle 51"/>
+            <a:endParaRPr lang="en-US" dirty="0" smtClean="0"/>
+          </a:p>
+          <a:p>
+            <a:pPr algn="ctr"/>
+            <a:endParaRPr/>
+          </a:p>
+          <a:p>
+            <a:pPr algn="ctr"/>
+            <a:endParaRPr lang="en-US" dirty="0" smtClean="0"/>
+          </a:p>
+          <a:p>
+            <a:pPr algn="ctr"/>
+            <a:endParaRPr lang="en-US" dirty="0"/>
+          </a:p>
+        </p:txBody>
+      </p:sp>
+      <p:sp>
+        <p:nvSpPr>
+          <p:cNvPr id="65" name="Rectangle 64"/>
           <p:cNvSpPr/>
           <p:nvPr/>
         </p:nvSpPr>
         <p:spPr>
-          <a:xfrm>
-            <a:off x="5254261" y="2111312"/>
-            <a:ext cx="195390" cy="187261"/>
+          <a:xfrm flipV="1">
+            <a:off x="5058871" y="2674540"/>
+            <a:ext cx="1530558" cy="187261"/>
           </a:xfrm>
           <a:prstGeom prst="rect">
             <a:avLst/>
           </a:prstGeom>
-          <a:solidFill>
-            <a:schemeClr val="accent3"/>
-          </a:solidFill>
         </p:spPr>
         <p:style>
           <a:lnRef idx="1">
@@ -4038,27 +4053,36 @@
           <a:lstStyle/>
           <a:p>
             <a:pPr algn="ctr"/>
-            <a:endParaRPr lang="en-US"/>
-          </a:p>
-        </p:txBody>
-      </p:sp>
-      <p:sp>
-        <p:nvSpPr>
-          <p:cNvPr id="53" name="Rectangle 52"/>
+            <a:endParaRPr lang="en-US" dirty="0" smtClean="0"/>
+          </a:p>
+          <a:p>
+            <a:pPr algn="ctr"/>
+            <a:endParaRPr/>
+          </a:p>
+          <a:p>
+            <a:pPr algn="ctr"/>
+            <a:endParaRPr lang="en-US" dirty="0" smtClean="0"/>
+          </a:p>
+          <a:p>
+            <a:pPr algn="ctr"/>
+            <a:endParaRPr lang="en-US" dirty="0"/>
+          </a:p>
+        </p:txBody>
+      </p:sp>
+      <p:sp>
+        <p:nvSpPr>
+          <p:cNvPr id="66" name="Rectangle 65"/>
           <p:cNvSpPr/>
           <p:nvPr/>
         </p:nvSpPr>
         <p:spPr>
-          <a:xfrm>
-            <a:off x="6925935" y="2106823"/>
-            <a:ext cx="195390" cy="187261"/>
+          <a:xfrm flipV="1">
+            <a:off x="6730545" y="2674540"/>
+            <a:ext cx="1530558" cy="187261"/>
           </a:xfrm>
           <a:prstGeom prst="rect">
             <a:avLst/>
           </a:prstGeom>
-          <a:solidFill>
-            <a:schemeClr val="accent3"/>
-          </a:solidFill>
         </p:spPr>
         <p:style>
           <a:lnRef idx="1">
@@ -4079,20 +4103,32 @@
           <a:lstStyle/>
           <a:p>
             <a:pPr algn="ctr"/>
-            <a:endParaRPr lang="en-US"/>
-          </a:p>
-        </p:txBody>
-      </p:sp>
-      <p:sp>
-        <p:nvSpPr>
-          <p:cNvPr id="55" name="Rectangle 54"/>
+            <a:endParaRPr lang="en-US" dirty="0" smtClean="0"/>
+          </a:p>
+          <a:p>
+            <a:pPr algn="ctr"/>
+            <a:endParaRPr/>
+          </a:p>
+          <a:p>
+            <a:pPr algn="ctr"/>
+            <a:endParaRPr lang="en-US" dirty="0" smtClean="0"/>
+          </a:p>
+          <a:p>
+            <a:pPr algn="ctr"/>
+            <a:endParaRPr lang="en-US" dirty="0"/>
+          </a:p>
+        </p:txBody>
+      </p:sp>
+      <p:sp>
+        <p:nvSpPr>
+          <p:cNvPr id="67" name="Rectangle 66"/>
           <p:cNvSpPr/>
           <p:nvPr/>
         </p:nvSpPr>
         <p:spPr>
           <a:xfrm>
-            <a:off x="2095019" y="2106823"/>
-            <a:ext cx="195390" cy="187261"/>
+            <a:off x="6406549" y="2674540"/>
+            <a:ext cx="182880" cy="182880"/>
           </a:xfrm>
           <a:prstGeom prst="rect">
             <a:avLst/>
@@ -4126,20 +4162,20 @@
       </p:sp>
       <p:sp>
         <p:nvSpPr>
-          <p:cNvPr id="56" name="Rectangle 55"/>
+          <p:cNvPr id="68" name="Rectangle 67"/>
           <p:cNvSpPr/>
           <p:nvPr/>
         </p:nvSpPr>
         <p:spPr>
           <a:xfrm>
-            <a:off x="3777977" y="2111312"/>
-            <a:ext cx="195390" cy="187261"/>
+            <a:off x="8078223" y="2674540"/>
+            <a:ext cx="182880" cy="182880"/>
           </a:xfrm>
           <a:prstGeom prst="rect">
             <a:avLst/>
           </a:prstGeom>
           <a:solidFill>
-            <a:schemeClr val="accent4"/>
+            <a:schemeClr val="accent6"/>
           </a:solidFill>
         </p:spPr>
         <p:style>
@@ -4167,20 +4203,20 @@
       </p:sp>
       <p:sp>
         <p:nvSpPr>
-          <p:cNvPr id="57" name="Rectangle 56"/>
+          <p:cNvPr id="69" name="Rectangle 68"/>
           <p:cNvSpPr/>
           <p:nvPr/>
         </p:nvSpPr>
         <p:spPr>
           <a:xfrm>
-            <a:off x="5449651" y="2111312"/>
-            <a:ext cx="195390" cy="187261"/>
+            <a:off x="4734875" y="2674540"/>
+            <a:ext cx="182880" cy="182880"/>
           </a:xfrm>
           <a:prstGeom prst="rect">
             <a:avLst/>
           </a:prstGeom>
           <a:solidFill>
-            <a:schemeClr val="accent4"/>
+            <a:schemeClr val="accent3"/>
           </a:solidFill>
         </p:spPr>
         <p:style>
@@ -4208,806 +4244,20 @@
       </p:sp>
       <p:sp>
         <p:nvSpPr>
-          <p:cNvPr id="58" name="Rectangle 57"/>
-          <p:cNvSpPr/>
-          <p:nvPr/>
-        </p:nvSpPr>
-        <p:spPr>
-          <a:xfrm>
-            <a:off x="7121325" y="2106823"/>
-            <a:ext cx="195390" cy="187261"/>
-          </a:xfrm>
-          <a:prstGeom prst="rect">
-            <a:avLst/>
-          </a:prstGeom>
-          <a:solidFill>
-            <a:schemeClr val="accent4"/>
-          </a:solidFill>
-        </p:spPr>
-        <p:style>
-          <a:lnRef idx="1">
-            <a:schemeClr val="accent1"/>
-          </a:lnRef>
-          <a:fillRef idx="3">
-            <a:schemeClr val="accent1"/>
-          </a:fillRef>
-          <a:effectRef idx="2">
-            <a:schemeClr val="accent1"/>
-          </a:effectRef>
-          <a:fontRef idx="minor">
-            <a:schemeClr val="lt1"/>
-          </a:fontRef>
-        </p:style>
-        <p:txBody>
-          <a:bodyPr rtlCol="0" anchor="ctr"/>
-          <a:lstStyle/>
-          <a:p>
-            <a:pPr algn="ctr"/>
-            <a:endParaRPr lang="en-US"/>
-          </a:p>
-        </p:txBody>
-      </p:sp>
-      <p:sp>
-        <p:nvSpPr>
-          <p:cNvPr id="59" name="Rectangle 58"/>
-          <p:cNvSpPr/>
-          <p:nvPr/>
-        </p:nvSpPr>
-        <p:spPr>
-          <a:xfrm>
-            <a:off x="2290409" y="2111312"/>
-            <a:ext cx="195390" cy="187261"/>
-          </a:xfrm>
-          <a:prstGeom prst="rect">
-            <a:avLst/>
-          </a:prstGeom>
-          <a:solidFill>
-            <a:schemeClr val="accent6"/>
-          </a:solidFill>
-        </p:spPr>
-        <p:style>
-          <a:lnRef idx="1">
-            <a:schemeClr val="accent1"/>
-          </a:lnRef>
-          <a:fillRef idx="3">
-            <a:schemeClr val="accent1"/>
-          </a:fillRef>
-          <a:effectRef idx="2">
-            <a:schemeClr val="accent1"/>
-          </a:effectRef>
-          <a:fontRef idx="minor">
-            <a:schemeClr val="lt1"/>
-          </a:fontRef>
-        </p:style>
-        <p:txBody>
-          <a:bodyPr rtlCol="0" anchor="ctr"/>
-          <a:lstStyle/>
-          <a:p>
-            <a:pPr algn="ctr"/>
-            <a:endParaRPr lang="en-US"/>
-          </a:p>
-        </p:txBody>
-      </p:sp>
-      <p:sp>
-        <p:nvSpPr>
-          <p:cNvPr id="60" name="Rectangle 59"/>
-          <p:cNvSpPr/>
-          <p:nvPr/>
-        </p:nvSpPr>
-        <p:spPr>
-          <a:xfrm>
-            <a:off x="7316715" y="2111312"/>
-            <a:ext cx="195390" cy="187261"/>
-          </a:xfrm>
-          <a:prstGeom prst="rect">
-            <a:avLst/>
-          </a:prstGeom>
-          <a:solidFill>
-            <a:schemeClr val="accent6"/>
-          </a:solidFill>
-        </p:spPr>
-        <p:style>
-          <a:lnRef idx="1">
-            <a:schemeClr val="accent1"/>
-          </a:lnRef>
-          <a:fillRef idx="3">
-            <a:schemeClr val="accent1"/>
-          </a:fillRef>
-          <a:effectRef idx="2">
-            <a:schemeClr val="accent1"/>
-          </a:effectRef>
-          <a:fontRef idx="minor">
-            <a:schemeClr val="lt1"/>
-          </a:fontRef>
-        </p:style>
-        <p:txBody>
-          <a:bodyPr rtlCol="0" anchor="ctr"/>
-          <a:lstStyle/>
-          <a:p>
-            <a:pPr algn="ctr"/>
-            <a:endParaRPr lang="en-US"/>
-          </a:p>
-        </p:txBody>
-      </p:sp>
-      <p:sp>
-        <p:nvSpPr>
-          <p:cNvPr id="61" name="Rectangle 60"/>
-          <p:cNvSpPr/>
-          <p:nvPr/>
-        </p:nvSpPr>
-        <p:spPr>
-          <a:xfrm>
-            <a:off x="5645041" y="2111312"/>
-            <a:ext cx="195390" cy="187261"/>
-          </a:xfrm>
-          <a:prstGeom prst="rect">
-            <a:avLst/>
-          </a:prstGeom>
-          <a:solidFill>
-            <a:schemeClr val="accent6"/>
-          </a:solidFill>
-        </p:spPr>
-        <p:style>
-          <a:lnRef idx="1">
-            <a:schemeClr val="accent1"/>
-          </a:lnRef>
-          <a:fillRef idx="3">
-            <a:schemeClr val="accent1"/>
-          </a:fillRef>
-          <a:effectRef idx="2">
-            <a:schemeClr val="accent1"/>
-          </a:effectRef>
-          <a:fontRef idx="minor">
-            <a:schemeClr val="lt1"/>
-          </a:fontRef>
-        </p:style>
-        <p:txBody>
-          <a:bodyPr rtlCol="0" anchor="ctr"/>
-          <a:lstStyle/>
-          <a:p>
-            <a:pPr algn="ctr"/>
-            <a:endParaRPr lang="en-US"/>
-          </a:p>
-        </p:txBody>
-      </p:sp>
-      <p:sp>
-        <p:nvSpPr>
-          <p:cNvPr id="62" name="Rectangle 61"/>
-          <p:cNvSpPr/>
-          <p:nvPr/>
-        </p:nvSpPr>
-        <p:spPr>
-          <a:xfrm>
-            <a:off x="3973367" y="2106823"/>
-            <a:ext cx="195390" cy="187261"/>
-          </a:xfrm>
-          <a:prstGeom prst="rect">
-            <a:avLst/>
-          </a:prstGeom>
-          <a:solidFill>
-            <a:schemeClr val="accent6"/>
-          </a:solidFill>
-        </p:spPr>
-        <p:style>
-          <a:lnRef idx="1">
-            <a:schemeClr val="accent1"/>
-          </a:lnRef>
-          <a:fillRef idx="3">
-            <a:schemeClr val="accent1"/>
-          </a:fillRef>
-          <a:effectRef idx="2">
-            <a:schemeClr val="accent1"/>
-          </a:effectRef>
-          <a:fontRef idx="minor">
-            <a:schemeClr val="lt1"/>
-          </a:fontRef>
-        </p:style>
-        <p:txBody>
-          <a:bodyPr rtlCol="0" anchor="ctr"/>
-          <a:lstStyle/>
-          <a:p>
-            <a:pPr algn="ctr"/>
-            <a:endParaRPr lang="en-US"/>
-          </a:p>
-        </p:txBody>
-      </p:sp>
-      <p:sp>
-        <p:nvSpPr>
-          <p:cNvPr id="63" name="Rectangle 62"/>
-          <p:cNvSpPr/>
-          <p:nvPr/>
-        </p:nvSpPr>
-        <p:spPr>
-          <a:xfrm flipV="1">
-            <a:off x="1704239" y="2674540"/>
-            <a:ext cx="1530558" cy="187261"/>
-          </a:xfrm>
-          <a:prstGeom prst="rect">
-            <a:avLst/>
-          </a:prstGeom>
-        </p:spPr>
-        <p:style>
-          <a:lnRef idx="1">
-            <a:schemeClr val="accent1"/>
-          </a:lnRef>
-          <a:fillRef idx="3">
-            <a:schemeClr val="accent1"/>
-          </a:fillRef>
-          <a:effectRef idx="2">
-            <a:schemeClr val="accent1"/>
-          </a:effectRef>
-          <a:fontRef idx="minor">
-            <a:schemeClr val="lt1"/>
-          </a:fontRef>
-        </p:style>
-        <p:txBody>
-          <a:bodyPr rtlCol="0" anchor="ctr"/>
-          <a:lstStyle/>
-          <a:p>
-            <a:pPr algn="ctr"/>
-            <a:endParaRPr lang="en-US" dirty="0" smtClean="0"/>
-          </a:p>
-          <a:p>
-            <a:pPr algn="ctr"/>
-            <a:r>
-              <a:rPr lang="en-US" dirty="0" smtClean="0"/>
-              <a:t/>
-            </a:r>
-          </a:p>
-          <a:p>
-            <a:pPr algn="ctr"/>
-            <a:endParaRPr lang="en-US" dirty="0" smtClean="0"/>
-          </a:p>
-          <a:p>
-            <a:pPr algn="ctr"/>
-            <a:endParaRPr lang="en-US" dirty="0"/>
-          </a:p>
-        </p:txBody>
-      </p:sp>
-      <p:sp>
-        <p:nvSpPr>
-          <p:cNvPr id="64" name="Rectangle 63"/>
-          <p:cNvSpPr/>
-          <p:nvPr/>
-        </p:nvSpPr>
-        <p:spPr>
-          <a:xfrm flipV="1">
-            <a:off x="3387197" y="2674540"/>
-            <a:ext cx="1530558" cy="187261"/>
-          </a:xfrm>
-          <a:prstGeom prst="rect">
-            <a:avLst/>
-          </a:prstGeom>
-        </p:spPr>
-        <p:style>
-          <a:lnRef idx="1">
-            <a:schemeClr val="accent1"/>
-          </a:lnRef>
-          <a:fillRef idx="3">
-            <a:schemeClr val="accent1"/>
-          </a:fillRef>
-          <a:effectRef idx="2">
-            <a:schemeClr val="accent1"/>
-          </a:effectRef>
-          <a:fontRef idx="minor">
-            <a:schemeClr val="lt1"/>
-          </a:fontRef>
-        </p:style>
-        <p:txBody>
-          <a:bodyPr rtlCol="0" anchor="ctr"/>
-          <a:lstStyle/>
-          <a:p>
-            <a:pPr algn="ctr"/>
-            <a:endParaRPr lang="en-US" dirty="0" smtClean="0"/>
-          </a:p>
-          <a:p>
-            <a:pPr algn="ctr"/>
-            <a:r>
-              <a:rPr lang="en-US" dirty="0" smtClean="0"/>
-              <a:t/>
-            </a:r>
-          </a:p>
-          <a:p>
-            <a:pPr algn="ctr"/>
-            <a:endParaRPr lang="en-US" dirty="0" smtClean="0"/>
-          </a:p>
-          <a:p>
-            <a:pPr algn="ctr"/>
-            <a:endParaRPr lang="en-US" dirty="0"/>
-          </a:p>
-        </p:txBody>
-      </p:sp>
-      <p:sp>
-        <p:nvSpPr>
-          <p:cNvPr id="65" name="Rectangle 64"/>
-          <p:cNvSpPr/>
-          <p:nvPr/>
-        </p:nvSpPr>
-        <p:spPr>
-          <a:xfrm flipV="1">
-            <a:off x="5058871" y="2674540"/>
-            <a:ext cx="1530558" cy="187261"/>
-          </a:xfrm>
-          <a:prstGeom prst="rect">
-            <a:avLst/>
-          </a:prstGeom>
-        </p:spPr>
-        <p:style>
-          <a:lnRef idx="1">
-            <a:schemeClr val="accent1"/>
-          </a:lnRef>
-          <a:fillRef idx="3">
-            <a:schemeClr val="accent1"/>
-          </a:fillRef>
-          <a:effectRef idx="2">
-            <a:schemeClr val="accent1"/>
-          </a:effectRef>
-          <a:fontRef idx="minor">
-            <a:schemeClr val="lt1"/>
-          </a:fontRef>
-        </p:style>
-        <p:txBody>
-          <a:bodyPr rtlCol="0" anchor="ctr"/>
-          <a:lstStyle/>
-          <a:p>
-            <a:pPr algn="ctr"/>
-            <a:endParaRPr lang="en-US" dirty="0" smtClean="0"/>
-          </a:p>
-          <a:p>
-            <a:pPr algn="ctr"/>
-            <a:r>
-              <a:rPr lang="en-US" dirty="0" smtClean="0"/>
-              <a:t/>
-            </a:r>
-          </a:p>
-          <a:p>
-            <a:pPr algn="ctr"/>
-            <a:endParaRPr lang="en-US" dirty="0" smtClean="0"/>
-          </a:p>
-          <a:p>
-            <a:pPr algn="ctr"/>
-            <a:endParaRPr lang="en-US" dirty="0"/>
-          </a:p>
-        </p:txBody>
-      </p:sp>
-      <p:sp>
-        <p:nvSpPr>
-          <p:cNvPr id="66" name="Rectangle 65"/>
-          <p:cNvSpPr/>
-          <p:nvPr/>
-        </p:nvSpPr>
-        <p:spPr>
-          <a:xfrm flipV="1">
-            <a:off x="6730545" y="2674540"/>
-            <a:ext cx="1530558" cy="187261"/>
-          </a:xfrm>
-          <a:prstGeom prst="rect">
-            <a:avLst/>
-          </a:prstGeom>
-        </p:spPr>
-        <p:style>
-          <a:lnRef idx="1">
-            <a:schemeClr val="accent1"/>
-          </a:lnRef>
-          <a:fillRef idx="3">
-            <a:schemeClr val="accent1"/>
-          </a:fillRef>
-          <a:effectRef idx="2">
-            <a:schemeClr val="accent1"/>
-          </a:effectRef>
-          <a:fontRef idx="minor">
-            <a:schemeClr val="lt1"/>
-          </a:fontRef>
-        </p:style>
-        <p:txBody>
-          <a:bodyPr rtlCol="0" anchor="ctr"/>
-          <a:lstStyle/>
-          <a:p>
-            <a:pPr algn="ctr"/>
-            <a:endParaRPr lang="en-US" dirty="0" smtClean="0"/>
-          </a:p>
-          <a:p>
-            <a:pPr algn="ctr"/>
-            <a:r>
-              <a:rPr lang="en-US" dirty="0" smtClean="0"/>
-              <a:t/>
-            </a:r>
-          </a:p>
-          <a:p>
-            <a:pPr algn="ctr"/>
-            <a:endParaRPr lang="en-US" dirty="0" smtClean="0"/>
-          </a:p>
-          <a:p>
-            <a:pPr algn="ctr"/>
-            <a:endParaRPr lang="en-US" dirty="0"/>
-          </a:p>
-        </p:txBody>
-      </p:sp>
-      <p:sp>
-        <p:nvSpPr>
-          <p:cNvPr id="67" name="Rectangle 66"/>
-          <p:cNvSpPr/>
-          <p:nvPr/>
-        </p:nvSpPr>
-        <p:spPr>
-          <a:xfrm>
-            <a:off x="6394039" y="2674540"/>
-            <a:ext cx="195390" cy="187261"/>
-          </a:xfrm>
-          <a:prstGeom prst="rect">
-            <a:avLst/>
-          </a:prstGeom>
-          <a:solidFill>
-            <a:schemeClr val="accent4"/>
-          </a:solidFill>
-        </p:spPr>
-        <p:style>
-          <a:lnRef idx="1">
-            <a:schemeClr val="accent1"/>
-          </a:lnRef>
-          <a:fillRef idx="3">
-            <a:schemeClr val="accent1"/>
-          </a:fillRef>
-          <a:effectRef idx="2">
-            <a:schemeClr val="accent1"/>
-          </a:effectRef>
-          <a:fontRef idx="minor">
-            <a:schemeClr val="lt1"/>
-          </a:fontRef>
-        </p:style>
-        <p:txBody>
-          <a:bodyPr rtlCol="0" anchor="ctr"/>
-          <a:lstStyle/>
-          <a:p>
-            <a:pPr algn="ctr"/>
-            <a:endParaRPr lang="en-US"/>
-          </a:p>
-        </p:txBody>
-      </p:sp>
-      <p:sp>
-        <p:nvSpPr>
-          <p:cNvPr id="68" name="Rectangle 67"/>
-          <p:cNvSpPr/>
-          <p:nvPr/>
-        </p:nvSpPr>
-        <p:spPr>
-          <a:xfrm>
-            <a:off x="8065713" y="2674540"/>
-            <a:ext cx="195390" cy="187261"/>
-          </a:xfrm>
-          <a:prstGeom prst="rect">
-            <a:avLst/>
-          </a:prstGeom>
-          <a:solidFill>
-            <a:schemeClr val="accent6"/>
-          </a:solidFill>
-        </p:spPr>
-        <p:style>
-          <a:lnRef idx="1">
-            <a:schemeClr val="accent1"/>
-          </a:lnRef>
-          <a:fillRef idx="3">
-            <a:schemeClr val="accent1"/>
-          </a:fillRef>
-          <a:effectRef idx="2">
-            <a:schemeClr val="accent1"/>
-          </a:effectRef>
-          <a:fontRef idx="minor">
-            <a:schemeClr val="lt1"/>
-          </a:fontRef>
-        </p:style>
-        <p:txBody>
-          <a:bodyPr rtlCol="0" anchor="ctr"/>
-          <a:lstStyle/>
-          <a:p>
-            <a:pPr algn="ctr"/>
-            <a:endParaRPr lang="en-US"/>
-          </a:p>
-        </p:txBody>
-      </p:sp>
-      <p:sp>
-        <p:nvSpPr>
-          <p:cNvPr id="69" name="Rectangle 68"/>
-          <p:cNvSpPr/>
-          <p:nvPr/>
-        </p:nvSpPr>
-        <p:spPr>
-          <a:xfrm>
-            <a:off x="4722365" y="2679029"/>
-            <a:ext cx="195390" cy="187261"/>
-          </a:xfrm>
-          <a:prstGeom prst="rect">
-            <a:avLst/>
-          </a:prstGeom>
-          <a:solidFill>
-            <a:schemeClr val="accent3"/>
-          </a:solidFill>
-        </p:spPr>
-        <p:style>
-          <a:lnRef idx="1">
-            <a:schemeClr val="accent1"/>
-          </a:lnRef>
-          <a:fillRef idx="3">
-            <a:schemeClr val="accent1"/>
-          </a:fillRef>
-          <a:effectRef idx="2">
-            <a:schemeClr val="accent1"/>
-          </a:effectRef>
-          <a:fontRef idx="minor">
-            <a:schemeClr val="lt1"/>
-          </a:fontRef>
-        </p:style>
-        <p:txBody>
-          <a:bodyPr rtlCol="0" anchor="ctr"/>
-          <a:lstStyle/>
-          <a:p>
-            <a:pPr algn="ctr"/>
-            <a:endParaRPr lang="en-US"/>
-          </a:p>
-        </p:txBody>
-      </p:sp>
-      <p:sp>
-        <p:nvSpPr>
           <p:cNvPr id="70" name="Rectangle 69"/>
           <p:cNvSpPr/>
           <p:nvPr/>
         </p:nvSpPr>
         <p:spPr>
           <a:xfrm>
-            <a:off x="3039407" y="2674540"/>
-            <a:ext cx="195390" cy="187261"/>
+            <a:off x="3057695" y="2674540"/>
+            <a:ext cx="182880" cy="182880"/>
           </a:xfrm>
           <a:prstGeom prst="rect">
             <a:avLst/>
           </a:prstGeom>
           <a:solidFill>
             <a:schemeClr val="accent2"/>
-          </a:solidFill>
-        </p:spPr>
-        <p:style>
-          <a:lnRef idx="1">
-            <a:schemeClr val="accent1"/>
-          </a:lnRef>
-          <a:fillRef idx="3">
-            <a:schemeClr val="accent1"/>
-          </a:fillRef>
-          <a:effectRef idx="2">
-            <a:schemeClr val="accent1"/>
-          </a:effectRef>
-          <a:fontRef idx="minor">
-            <a:schemeClr val="lt1"/>
-          </a:fontRef>
-        </p:style>
-        <p:txBody>
-          <a:bodyPr rtlCol="0" anchor="ctr"/>
-          <a:lstStyle/>
-          <a:p>
-            <a:pPr algn="ctr"/>
-            <a:endParaRPr lang="en-US"/>
-          </a:p>
-        </p:txBody>
-      </p:sp>
-      <p:sp>
-        <p:nvSpPr>
-          <p:cNvPr id="72" name="Rectangle 71"/>
-          <p:cNvSpPr/>
-          <p:nvPr/>
-        </p:nvSpPr>
-        <p:spPr>
-          <a:xfrm>
-            <a:off x="3387197" y="3018690"/>
-            <a:ext cx="195390" cy="187261"/>
-          </a:xfrm>
-          <a:prstGeom prst="rect">
-            <a:avLst/>
-          </a:prstGeom>
-          <a:solidFill>
-            <a:schemeClr val="accent2"/>
-          </a:solidFill>
-        </p:spPr>
-        <p:style>
-          <a:lnRef idx="1">
-            <a:schemeClr val="accent1"/>
-          </a:lnRef>
-          <a:fillRef idx="3">
-            <a:schemeClr val="accent1"/>
-          </a:fillRef>
-          <a:effectRef idx="2">
-            <a:schemeClr val="accent1"/>
-          </a:effectRef>
-          <a:fontRef idx="minor">
-            <a:schemeClr val="lt1"/>
-          </a:fontRef>
-        </p:style>
-        <p:txBody>
-          <a:bodyPr rtlCol="0" anchor="ctr"/>
-          <a:lstStyle/>
-          <a:p>
-            <a:pPr algn="ctr"/>
-            <a:endParaRPr lang="en-US"/>
-          </a:p>
-        </p:txBody>
-      </p:sp>
-      <p:sp>
-        <p:nvSpPr>
-          <p:cNvPr id="73" name="Rectangle 72"/>
-          <p:cNvSpPr/>
-          <p:nvPr/>
-        </p:nvSpPr>
-        <p:spPr>
-          <a:xfrm>
-            <a:off x="5058871" y="3018690"/>
-            <a:ext cx="195390" cy="187261"/>
-          </a:xfrm>
-          <a:prstGeom prst="rect">
-            <a:avLst/>
-          </a:prstGeom>
-          <a:solidFill>
-            <a:schemeClr val="accent2"/>
-          </a:solidFill>
-        </p:spPr>
-        <p:style>
-          <a:lnRef idx="1">
-            <a:schemeClr val="accent1"/>
-          </a:lnRef>
-          <a:fillRef idx="3">
-            <a:schemeClr val="accent1"/>
-          </a:fillRef>
-          <a:effectRef idx="2">
-            <a:schemeClr val="accent1"/>
-          </a:effectRef>
-          <a:fontRef idx="minor">
-            <a:schemeClr val="lt1"/>
-          </a:fontRef>
-        </p:style>
-        <p:txBody>
-          <a:bodyPr rtlCol="0" anchor="ctr"/>
-          <a:lstStyle/>
-          <a:p>
-            <a:pPr algn="ctr"/>
-            <a:endParaRPr lang="en-US"/>
-          </a:p>
-        </p:txBody>
-      </p:sp>
-      <p:sp>
-        <p:nvSpPr>
-          <p:cNvPr id="74" name="Rectangle 73"/>
-          <p:cNvSpPr/>
-          <p:nvPr/>
-        </p:nvSpPr>
-        <p:spPr>
-          <a:xfrm>
-            <a:off x="6730545" y="3018690"/>
-            <a:ext cx="195390" cy="187261"/>
-          </a:xfrm>
-          <a:prstGeom prst="rect">
-            <a:avLst/>
-          </a:prstGeom>
-          <a:solidFill>
-            <a:schemeClr val="accent2"/>
-          </a:solidFill>
-        </p:spPr>
-        <p:style>
-          <a:lnRef idx="1">
-            <a:schemeClr val="accent1"/>
-          </a:lnRef>
-          <a:fillRef idx="3">
-            <a:schemeClr val="accent1"/>
-          </a:fillRef>
-          <a:effectRef idx="2">
-            <a:schemeClr val="accent1"/>
-          </a:effectRef>
-          <a:fontRef idx="minor">
-            <a:schemeClr val="lt1"/>
-          </a:fontRef>
-        </p:style>
-        <p:txBody>
-          <a:bodyPr rtlCol="0" anchor="ctr"/>
-          <a:lstStyle/>
-          <a:p>
-            <a:pPr algn="ctr"/>
-            <a:endParaRPr lang="en-US"/>
-          </a:p>
-        </p:txBody>
-      </p:sp>
-      <p:sp>
-        <p:nvSpPr>
-          <p:cNvPr id="77" name="Rectangle 76"/>
-          <p:cNvSpPr/>
-          <p:nvPr/>
-        </p:nvSpPr>
-        <p:spPr>
-          <a:xfrm>
-            <a:off x="5254261" y="3018690"/>
-            <a:ext cx="195390" cy="187261"/>
-          </a:xfrm>
-          <a:prstGeom prst="rect">
-            <a:avLst/>
-          </a:prstGeom>
-          <a:solidFill>
-            <a:schemeClr val="accent3"/>
-          </a:solidFill>
-        </p:spPr>
-        <p:style>
-          <a:lnRef idx="1">
-            <a:schemeClr val="accent1"/>
-          </a:lnRef>
-          <a:fillRef idx="3">
-            <a:schemeClr val="accent1"/>
-          </a:fillRef>
-          <a:effectRef idx="2">
-            <a:schemeClr val="accent1"/>
-          </a:effectRef>
-          <a:fontRef idx="minor">
-            <a:schemeClr val="lt1"/>
-          </a:fontRef>
-        </p:style>
-        <p:txBody>
-          <a:bodyPr rtlCol="0" anchor="ctr"/>
-          <a:lstStyle/>
-          <a:p>
-            <a:pPr algn="ctr"/>
-            <a:endParaRPr lang="en-US"/>
-          </a:p>
-        </p:txBody>
-      </p:sp>
-      <p:sp>
-        <p:nvSpPr>
-          <p:cNvPr id="78" name="Rectangle 77"/>
-          <p:cNvSpPr/>
-          <p:nvPr/>
-        </p:nvSpPr>
-        <p:spPr>
-          <a:xfrm>
-            <a:off x="6925935" y="3014201"/>
-            <a:ext cx="195390" cy="187261"/>
-          </a:xfrm>
-          <a:prstGeom prst="rect">
-            <a:avLst/>
-          </a:prstGeom>
-          <a:solidFill>
-            <a:schemeClr val="accent3"/>
-          </a:solidFill>
-        </p:spPr>
-        <p:style>
-          <a:lnRef idx="1">
-            <a:schemeClr val="accent1"/>
-          </a:lnRef>
-          <a:fillRef idx="3">
-            <a:schemeClr val="accent1"/>
-          </a:fillRef>
-          <a:effectRef idx="2">
-            <a:schemeClr val="accent1"/>
-          </a:effectRef>
-          <a:fontRef idx="minor">
-            <a:schemeClr val="lt1"/>
-          </a:fontRef>
-        </p:style>
-        <p:txBody>
-          <a:bodyPr rtlCol="0" anchor="ctr"/>
-          <a:lstStyle/>
-          <a:p>
-            <a:pPr algn="ctr"/>
-            <a:endParaRPr lang="en-US"/>
-          </a:p>
-        </p:txBody>
-      </p:sp>
-      <p:sp>
-        <p:nvSpPr>
-          <p:cNvPr id="82" name="Rectangle 81"/>
-          <p:cNvSpPr/>
-          <p:nvPr/>
-        </p:nvSpPr>
-        <p:spPr>
-          <a:xfrm>
-            <a:off x="7121325" y="3014201"/>
-            <a:ext cx="195390" cy="187261"/>
-          </a:xfrm>
-          <a:prstGeom prst="rect">
-            <a:avLst/>
-          </a:prstGeom>
-          <a:solidFill>
-            <a:schemeClr val="accent4"/>
           </a:solidFill>
         </p:spPr>
         <p:style>
@@ -5041,7 +4291,7 @@
         </p:nvCxnSpPr>
         <p:spPr>
           <a:xfrm>
-            <a:off x="3387197" y="3011025"/>
+            <a:off x="3387197" y="3004673"/>
             <a:ext cx="1530558" cy="1588"/>
           </a:xfrm>
           <a:prstGeom prst="straightConnector1">
@@ -5074,7 +4324,7 @@
         </p:nvCxnSpPr>
         <p:spPr>
           <a:xfrm>
-            <a:off x="5058871" y="3007849"/>
+            <a:off x="5058871" y="3001497"/>
             <a:ext cx="1530558" cy="1588"/>
           </a:xfrm>
           <a:prstGeom prst="straightConnector1">
@@ -5107,7 +4357,7 @@
         </p:nvCxnSpPr>
         <p:spPr>
           <a:xfrm>
-            <a:off x="6730545" y="3012613"/>
+            <a:off x="6730545" y="3006261"/>
             <a:ext cx="1530558" cy="1588"/>
           </a:xfrm>
           <a:prstGeom prst="straightConnector1">
@@ -5132,6 +4382,852 @@
           </a:fontRef>
         </p:style>
       </p:cxnSp>
+      <p:sp>
+        <p:nvSpPr>
+          <p:cNvPr id="54" name="Rectangle 53"/>
+          <p:cNvSpPr/>
+          <p:nvPr/>
+        </p:nvSpPr>
+        <p:spPr>
+          <a:xfrm>
+            <a:off x="3387197" y="2024527"/>
+            <a:ext cx="182880" cy="182880"/>
+          </a:xfrm>
+          <a:prstGeom prst="rect">
+            <a:avLst/>
+          </a:prstGeom>
+          <a:solidFill>
+            <a:schemeClr val="accent2"/>
+          </a:solidFill>
+        </p:spPr>
+        <p:style>
+          <a:lnRef idx="1">
+            <a:schemeClr val="accent1"/>
+          </a:lnRef>
+          <a:fillRef idx="3">
+            <a:schemeClr val="accent1"/>
+          </a:fillRef>
+          <a:effectRef idx="2">
+            <a:schemeClr val="accent1"/>
+          </a:effectRef>
+          <a:fontRef idx="minor">
+            <a:schemeClr val="lt1"/>
+          </a:fontRef>
+        </p:style>
+        <p:txBody>
+          <a:bodyPr rtlCol="0" anchor="ctr"/>
+          <a:lstStyle/>
+          <a:p>
+            <a:pPr algn="ctr"/>
+            <a:endParaRPr lang="en-US"/>
+          </a:p>
+        </p:txBody>
+      </p:sp>
+      <p:sp>
+        <p:nvSpPr>
+          <p:cNvPr id="71" name="Rectangle 70"/>
+          <p:cNvSpPr/>
+          <p:nvPr/>
+        </p:nvSpPr>
+        <p:spPr>
+          <a:xfrm>
+            <a:off x="3570077" y="2024527"/>
+            <a:ext cx="182880" cy="182880"/>
+          </a:xfrm>
+          <a:prstGeom prst="rect">
+            <a:avLst/>
+          </a:prstGeom>
+          <a:solidFill>
+            <a:schemeClr val="accent3"/>
+          </a:solidFill>
+        </p:spPr>
+        <p:style>
+          <a:lnRef idx="1">
+            <a:schemeClr val="accent1"/>
+          </a:lnRef>
+          <a:fillRef idx="3">
+            <a:schemeClr val="accent1"/>
+          </a:fillRef>
+          <a:effectRef idx="2">
+            <a:schemeClr val="accent1"/>
+          </a:effectRef>
+          <a:fontRef idx="minor">
+            <a:schemeClr val="lt1"/>
+          </a:fontRef>
+        </p:style>
+        <p:txBody>
+          <a:bodyPr rtlCol="0" anchor="ctr"/>
+          <a:lstStyle/>
+          <a:p>
+            <a:pPr algn="ctr"/>
+            <a:endParaRPr lang="en-US"/>
+          </a:p>
+        </p:txBody>
+      </p:sp>
+      <p:sp>
+        <p:nvSpPr>
+          <p:cNvPr id="75" name="Rectangle 74"/>
+          <p:cNvSpPr/>
+          <p:nvPr/>
+        </p:nvSpPr>
+        <p:spPr>
+          <a:xfrm>
+            <a:off x="3752957" y="2024527"/>
+            <a:ext cx="182880" cy="182880"/>
+          </a:xfrm>
+          <a:prstGeom prst="rect">
+            <a:avLst/>
+          </a:prstGeom>
+          <a:solidFill>
+            <a:schemeClr val="accent4"/>
+          </a:solidFill>
+        </p:spPr>
+        <p:style>
+          <a:lnRef idx="1">
+            <a:schemeClr val="accent1"/>
+          </a:lnRef>
+          <a:fillRef idx="3">
+            <a:schemeClr val="accent1"/>
+          </a:fillRef>
+          <a:effectRef idx="2">
+            <a:schemeClr val="accent1"/>
+          </a:effectRef>
+          <a:fontRef idx="minor">
+            <a:schemeClr val="lt1"/>
+          </a:fontRef>
+        </p:style>
+        <p:txBody>
+          <a:bodyPr rtlCol="0" anchor="ctr"/>
+          <a:lstStyle/>
+          <a:p>
+            <a:pPr algn="ctr"/>
+            <a:endParaRPr lang="en-US"/>
+          </a:p>
+        </p:txBody>
+      </p:sp>
+      <p:sp>
+        <p:nvSpPr>
+          <p:cNvPr id="76" name="Rectangle 75"/>
+          <p:cNvSpPr/>
+          <p:nvPr/>
+        </p:nvSpPr>
+        <p:spPr>
+          <a:xfrm>
+            <a:off x="3935837" y="2024527"/>
+            <a:ext cx="182880" cy="182880"/>
+          </a:xfrm>
+          <a:prstGeom prst="rect">
+            <a:avLst/>
+          </a:prstGeom>
+          <a:solidFill>
+            <a:schemeClr val="accent6"/>
+          </a:solidFill>
+        </p:spPr>
+        <p:style>
+          <a:lnRef idx="1">
+            <a:schemeClr val="accent1"/>
+          </a:lnRef>
+          <a:fillRef idx="3">
+            <a:schemeClr val="accent1"/>
+          </a:fillRef>
+          <a:effectRef idx="2">
+            <a:schemeClr val="accent1"/>
+          </a:effectRef>
+          <a:fontRef idx="minor">
+            <a:schemeClr val="lt1"/>
+          </a:fontRef>
+        </p:style>
+        <p:txBody>
+          <a:bodyPr rtlCol="0" anchor="ctr"/>
+          <a:lstStyle/>
+          <a:p>
+            <a:pPr algn="ctr"/>
+            <a:endParaRPr lang="en-US"/>
+          </a:p>
+        </p:txBody>
+      </p:sp>
+      <p:sp>
+        <p:nvSpPr>
+          <p:cNvPr id="79" name="Rectangle 78"/>
+          <p:cNvSpPr/>
+          <p:nvPr/>
+        </p:nvSpPr>
+        <p:spPr>
+          <a:xfrm>
+            <a:off x="5058871" y="2024527"/>
+            <a:ext cx="182880" cy="182880"/>
+          </a:xfrm>
+          <a:prstGeom prst="rect">
+            <a:avLst/>
+          </a:prstGeom>
+          <a:solidFill>
+            <a:schemeClr val="accent2"/>
+          </a:solidFill>
+        </p:spPr>
+        <p:style>
+          <a:lnRef idx="1">
+            <a:schemeClr val="accent1"/>
+          </a:lnRef>
+          <a:fillRef idx="3">
+            <a:schemeClr val="accent1"/>
+          </a:fillRef>
+          <a:effectRef idx="2">
+            <a:schemeClr val="accent1"/>
+          </a:effectRef>
+          <a:fontRef idx="minor">
+            <a:schemeClr val="lt1"/>
+          </a:fontRef>
+        </p:style>
+        <p:txBody>
+          <a:bodyPr rtlCol="0" anchor="ctr"/>
+          <a:lstStyle/>
+          <a:p>
+            <a:pPr algn="ctr"/>
+            <a:endParaRPr lang="en-US"/>
+          </a:p>
+        </p:txBody>
+      </p:sp>
+      <p:sp>
+        <p:nvSpPr>
+          <p:cNvPr id="80" name="Rectangle 79"/>
+          <p:cNvSpPr/>
+          <p:nvPr/>
+        </p:nvSpPr>
+        <p:spPr>
+          <a:xfrm>
+            <a:off x="5241751" y="2024527"/>
+            <a:ext cx="182880" cy="182880"/>
+          </a:xfrm>
+          <a:prstGeom prst="rect">
+            <a:avLst/>
+          </a:prstGeom>
+          <a:solidFill>
+            <a:schemeClr val="accent3"/>
+          </a:solidFill>
+        </p:spPr>
+        <p:style>
+          <a:lnRef idx="1">
+            <a:schemeClr val="accent1"/>
+          </a:lnRef>
+          <a:fillRef idx="3">
+            <a:schemeClr val="accent1"/>
+          </a:fillRef>
+          <a:effectRef idx="2">
+            <a:schemeClr val="accent1"/>
+          </a:effectRef>
+          <a:fontRef idx="minor">
+            <a:schemeClr val="lt1"/>
+          </a:fontRef>
+        </p:style>
+        <p:txBody>
+          <a:bodyPr rtlCol="0" anchor="ctr"/>
+          <a:lstStyle/>
+          <a:p>
+            <a:pPr algn="ctr"/>
+            <a:endParaRPr lang="en-US"/>
+          </a:p>
+        </p:txBody>
+      </p:sp>
+      <p:sp>
+        <p:nvSpPr>
+          <p:cNvPr id="81" name="Rectangle 80"/>
+          <p:cNvSpPr/>
+          <p:nvPr/>
+        </p:nvSpPr>
+        <p:spPr>
+          <a:xfrm>
+            <a:off x="5424631" y="2024527"/>
+            <a:ext cx="182880" cy="182880"/>
+          </a:xfrm>
+          <a:prstGeom prst="rect">
+            <a:avLst/>
+          </a:prstGeom>
+          <a:solidFill>
+            <a:schemeClr val="accent4"/>
+          </a:solidFill>
+        </p:spPr>
+        <p:style>
+          <a:lnRef idx="1">
+            <a:schemeClr val="accent1"/>
+          </a:lnRef>
+          <a:fillRef idx="3">
+            <a:schemeClr val="accent1"/>
+          </a:fillRef>
+          <a:effectRef idx="2">
+            <a:schemeClr val="accent1"/>
+          </a:effectRef>
+          <a:fontRef idx="minor">
+            <a:schemeClr val="lt1"/>
+          </a:fontRef>
+        </p:style>
+        <p:txBody>
+          <a:bodyPr rtlCol="0" anchor="ctr"/>
+          <a:lstStyle/>
+          <a:p>
+            <a:pPr algn="ctr"/>
+            <a:endParaRPr lang="en-US"/>
+          </a:p>
+        </p:txBody>
+      </p:sp>
+      <p:sp>
+        <p:nvSpPr>
+          <p:cNvPr id="83" name="Rectangle 82"/>
+          <p:cNvSpPr/>
+          <p:nvPr/>
+        </p:nvSpPr>
+        <p:spPr>
+          <a:xfrm>
+            <a:off x="5607511" y="2024527"/>
+            <a:ext cx="182880" cy="182880"/>
+          </a:xfrm>
+          <a:prstGeom prst="rect">
+            <a:avLst/>
+          </a:prstGeom>
+          <a:solidFill>
+            <a:schemeClr val="accent6"/>
+          </a:solidFill>
+        </p:spPr>
+        <p:style>
+          <a:lnRef idx="1">
+            <a:schemeClr val="accent1"/>
+          </a:lnRef>
+          <a:fillRef idx="3">
+            <a:schemeClr val="accent1"/>
+          </a:fillRef>
+          <a:effectRef idx="2">
+            <a:schemeClr val="accent1"/>
+          </a:effectRef>
+          <a:fontRef idx="minor">
+            <a:schemeClr val="lt1"/>
+          </a:fontRef>
+        </p:style>
+        <p:txBody>
+          <a:bodyPr rtlCol="0" anchor="ctr"/>
+          <a:lstStyle/>
+          <a:p>
+            <a:pPr algn="ctr"/>
+            <a:endParaRPr lang="en-US"/>
+          </a:p>
+        </p:txBody>
+      </p:sp>
+      <p:sp>
+        <p:nvSpPr>
+          <p:cNvPr id="84" name="Rectangle 83"/>
+          <p:cNvSpPr/>
+          <p:nvPr/>
+        </p:nvSpPr>
+        <p:spPr>
+          <a:xfrm>
+            <a:off x="6730545" y="2024527"/>
+            <a:ext cx="182880" cy="182880"/>
+          </a:xfrm>
+          <a:prstGeom prst="rect">
+            <a:avLst/>
+          </a:prstGeom>
+          <a:solidFill>
+            <a:schemeClr val="accent2"/>
+          </a:solidFill>
+        </p:spPr>
+        <p:style>
+          <a:lnRef idx="1">
+            <a:schemeClr val="accent1"/>
+          </a:lnRef>
+          <a:fillRef idx="3">
+            <a:schemeClr val="accent1"/>
+          </a:fillRef>
+          <a:effectRef idx="2">
+            <a:schemeClr val="accent1"/>
+          </a:effectRef>
+          <a:fontRef idx="minor">
+            <a:schemeClr val="lt1"/>
+          </a:fontRef>
+        </p:style>
+        <p:txBody>
+          <a:bodyPr rtlCol="0" anchor="ctr"/>
+          <a:lstStyle/>
+          <a:p>
+            <a:pPr algn="ctr"/>
+            <a:endParaRPr lang="en-US"/>
+          </a:p>
+        </p:txBody>
+      </p:sp>
+      <p:sp>
+        <p:nvSpPr>
+          <p:cNvPr id="85" name="Rectangle 84"/>
+          <p:cNvSpPr/>
+          <p:nvPr/>
+        </p:nvSpPr>
+        <p:spPr>
+          <a:xfrm>
+            <a:off x="6913425" y="2024527"/>
+            <a:ext cx="182880" cy="182880"/>
+          </a:xfrm>
+          <a:prstGeom prst="rect">
+            <a:avLst/>
+          </a:prstGeom>
+          <a:solidFill>
+            <a:schemeClr val="accent3"/>
+          </a:solidFill>
+        </p:spPr>
+        <p:style>
+          <a:lnRef idx="1">
+            <a:schemeClr val="accent1"/>
+          </a:lnRef>
+          <a:fillRef idx="3">
+            <a:schemeClr val="accent1"/>
+          </a:fillRef>
+          <a:effectRef idx="2">
+            <a:schemeClr val="accent1"/>
+          </a:effectRef>
+          <a:fontRef idx="minor">
+            <a:schemeClr val="lt1"/>
+          </a:fontRef>
+        </p:style>
+        <p:txBody>
+          <a:bodyPr rtlCol="0" anchor="ctr"/>
+          <a:lstStyle/>
+          <a:p>
+            <a:pPr algn="ctr"/>
+            <a:endParaRPr lang="en-US"/>
+          </a:p>
+        </p:txBody>
+      </p:sp>
+      <p:sp>
+        <p:nvSpPr>
+          <p:cNvPr id="86" name="Rectangle 85"/>
+          <p:cNvSpPr/>
+          <p:nvPr/>
+        </p:nvSpPr>
+        <p:spPr>
+          <a:xfrm>
+            <a:off x="7096305" y="2024527"/>
+            <a:ext cx="182880" cy="182880"/>
+          </a:xfrm>
+          <a:prstGeom prst="rect">
+            <a:avLst/>
+          </a:prstGeom>
+          <a:solidFill>
+            <a:schemeClr val="accent4"/>
+          </a:solidFill>
+        </p:spPr>
+        <p:style>
+          <a:lnRef idx="1">
+            <a:schemeClr val="accent1"/>
+          </a:lnRef>
+          <a:fillRef idx="3">
+            <a:schemeClr val="accent1"/>
+          </a:fillRef>
+          <a:effectRef idx="2">
+            <a:schemeClr val="accent1"/>
+          </a:effectRef>
+          <a:fontRef idx="minor">
+            <a:schemeClr val="lt1"/>
+          </a:fontRef>
+        </p:style>
+        <p:txBody>
+          <a:bodyPr rtlCol="0" anchor="ctr"/>
+          <a:lstStyle/>
+          <a:p>
+            <a:pPr algn="ctr"/>
+            <a:endParaRPr lang="en-US"/>
+          </a:p>
+        </p:txBody>
+      </p:sp>
+      <p:sp>
+        <p:nvSpPr>
+          <p:cNvPr id="87" name="Rectangle 86"/>
+          <p:cNvSpPr/>
+          <p:nvPr/>
+        </p:nvSpPr>
+        <p:spPr>
+          <a:xfrm>
+            <a:off x="7279185" y="2024527"/>
+            <a:ext cx="182880" cy="182880"/>
+          </a:xfrm>
+          <a:prstGeom prst="rect">
+            <a:avLst/>
+          </a:prstGeom>
+          <a:solidFill>
+            <a:schemeClr val="accent6"/>
+          </a:solidFill>
+        </p:spPr>
+        <p:style>
+          <a:lnRef idx="1">
+            <a:schemeClr val="accent1"/>
+          </a:lnRef>
+          <a:fillRef idx="3">
+            <a:schemeClr val="accent1"/>
+          </a:fillRef>
+          <a:effectRef idx="2">
+            <a:schemeClr val="accent1"/>
+          </a:effectRef>
+          <a:fontRef idx="minor">
+            <a:schemeClr val="lt1"/>
+          </a:fontRef>
+        </p:style>
+        <p:txBody>
+          <a:bodyPr rtlCol="0" anchor="ctr"/>
+          <a:lstStyle/>
+          <a:p>
+            <a:pPr algn="ctr"/>
+            <a:endParaRPr lang="en-US"/>
+          </a:p>
+        </p:txBody>
+      </p:sp>
+      <p:sp>
+        <p:nvSpPr>
+          <p:cNvPr id="88" name="Rectangle 87"/>
+          <p:cNvSpPr/>
+          <p:nvPr/>
+        </p:nvSpPr>
+        <p:spPr>
+          <a:xfrm>
+            <a:off x="3387197" y="3007849"/>
+            <a:ext cx="182880" cy="182880"/>
+          </a:xfrm>
+          <a:prstGeom prst="rect">
+            <a:avLst/>
+          </a:prstGeom>
+          <a:solidFill>
+            <a:schemeClr val="accent2"/>
+          </a:solidFill>
+        </p:spPr>
+        <p:style>
+          <a:lnRef idx="1">
+            <a:schemeClr val="accent1"/>
+          </a:lnRef>
+          <a:fillRef idx="3">
+            <a:schemeClr val="accent1"/>
+          </a:fillRef>
+          <a:effectRef idx="2">
+            <a:schemeClr val="accent1"/>
+          </a:effectRef>
+          <a:fontRef idx="minor">
+            <a:schemeClr val="lt1"/>
+          </a:fontRef>
+        </p:style>
+        <p:txBody>
+          <a:bodyPr rtlCol="0" anchor="ctr"/>
+          <a:lstStyle/>
+          <a:p>
+            <a:pPr algn="ctr"/>
+            <a:endParaRPr lang="en-US"/>
+          </a:p>
+        </p:txBody>
+      </p:sp>
+      <p:sp>
+        <p:nvSpPr>
+          <p:cNvPr id="89" name="Rectangle 88"/>
+          <p:cNvSpPr/>
+          <p:nvPr/>
+        </p:nvSpPr>
+        <p:spPr>
+          <a:xfrm>
+            <a:off x="5058871" y="3007849"/>
+            <a:ext cx="182880" cy="182880"/>
+          </a:xfrm>
+          <a:prstGeom prst="rect">
+            <a:avLst/>
+          </a:prstGeom>
+          <a:solidFill>
+            <a:schemeClr val="accent2"/>
+          </a:solidFill>
+        </p:spPr>
+        <p:style>
+          <a:lnRef idx="1">
+            <a:schemeClr val="accent1"/>
+          </a:lnRef>
+          <a:fillRef idx="3">
+            <a:schemeClr val="accent1"/>
+          </a:fillRef>
+          <a:effectRef idx="2">
+            <a:schemeClr val="accent1"/>
+          </a:effectRef>
+          <a:fontRef idx="minor">
+            <a:schemeClr val="lt1"/>
+          </a:fontRef>
+        </p:style>
+        <p:txBody>
+          <a:bodyPr rtlCol="0" anchor="ctr"/>
+          <a:lstStyle/>
+          <a:p>
+            <a:pPr algn="ctr"/>
+            <a:endParaRPr lang="en-US"/>
+          </a:p>
+        </p:txBody>
+      </p:sp>
+      <p:sp>
+        <p:nvSpPr>
+          <p:cNvPr id="90" name="Rectangle 89"/>
+          <p:cNvSpPr/>
+          <p:nvPr/>
+        </p:nvSpPr>
+        <p:spPr>
+          <a:xfrm>
+            <a:off x="5241751" y="3007849"/>
+            <a:ext cx="182880" cy="182880"/>
+          </a:xfrm>
+          <a:prstGeom prst="rect">
+            <a:avLst/>
+          </a:prstGeom>
+          <a:solidFill>
+            <a:schemeClr val="accent3"/>
+          </a:solidFill>
+        </p:spPr>
+        <p:style>
+          <a:lnRef idx="1">
+            <a:schemeClr val="accent1"/>
+          </a:lnRef>
+          <a:fillRef idx="3">
+            <a:schemeClr val="accent1"/>
+          </a:fillRef>
+          <a:effectRef idx="2">
+            <a:schemeClr val="accent1"/>
+          </a:effectRef>
+          <a:fontRef idx="minor">
+            <a:schemeClr val="lt1"/>
+          </a:fontRef>
+        </p:style>
+        <p:txBody>
+          <a:bodyPr rtlCol="0" anchor="ctr"/>
+          <a:lstStyle/>
+          <a:p>
+            <a:pPr algn="ctr"/>
+            <a:endParaRPr lang="en-US"/>
+          </a:p>
+        </p:txBody>
+      </p:sp>
+      <p:sp>
+        <p:nvSpPr>
+          <p:cNvPr id="91" name="Rectangle 90"/>
+          <p:cNvSpPr/>
+          <p:nvPr/>
+        </p:nvSpPr>
+        <p:spPr>
+          <a:xfrm>
+            <a:off x="6730545" y="3007849"/>
+            <a:ext cx="182880" cy="182880"/>
+          </a:xfrm>
+          <a:prstGeom prst="rect">
+            <a:avLst/>
+          </a:prstGeom>
+          <a:solidFill>
+            <a:schemeClr val="accent2"/>
+          </a:solidFill>
+        </p:spPr>
+        <p:style>
+          <a:lnRef idx="1">
+            <a:schemeClr val="accent1"/>
+          </a:lnRef>
+          <a:fillRef idx="3">
+            <a:schemeClr val="accent1"/>
+          </a:fillRef>
+          <a:effectRef idx="2">
+            <a:schemeClr val="accent1"/>
+          </a:effectRef>
+          <a:fontRef idx="minor">
+            <a:schemeClr val="lt1"/>
+          </a:fontRef>
+        </p:style>
+        <p:txBody>
+          <a:bodyPr rtlCol="0" anchor="ctr"/>
+          <a:lstStyle/>
+          <a:p>
+            <a:pPr algn="ctr"/>
+            <a:endParaRPr lang="en-US"/>
+          </a:p>
+        </p:txBody>
+      </p:sp>
+      <p:sp>
+        <p:nvSpPr>
+          <p:cNvPr id="95" name="Rectangle 94"/>
+          <p:cNvSpPr/>
+          <p:nvPr/>
+        </p:nvSpPr>
+        <p:spPr>
+          <a:xfrm>
+            <a:off x="6913425" y="3007849"/>
+            <a:ext cx="182880" cy="182880"/>
+          </a:xfrm>
+          <a:prstGeom prst="rect">
+            <a:avLst/>
+          </a:prstGeom>
+          <a:solidFill>
+            <a:schemeClr val="accent3"/>
+          </a:solidFill>
+        </p:spPr>
+        <p:style>
+          <a:lnRef idx="1">
+            <a:schemeClr val="accent1"/>
+          </a:lnRef>
+          <a:fillRef idx="3">
+            <a:schemeClr val="accent1"/>
+          </a:fillRef>
+          <a:effectRef idx="2">
+            <a:schemeClr val="accent1"/>
+          </a:effectRef>
+          <a:fontRef idx="minor">
+            <a:schemeClr val="lt1"/>
+          </a:fontRef>
+        </p:style>
+        <p:txBody>
+          <a:bodyPr rtlCol="0" anchor="ctr"/>
+          <a:lstStyle/>
+          <a:p>
+            <a:pPr algn="ctr"/>
+            <a:endParaRPr lang="en-US"/>
+          </a:p>
+        </p:txBody>
+      </p:sp>
+      <p:sp>
+        <p:nvSpPr>
+          <p:cNvPr id="96" name="Rectangle 95"/>
+          <p:cNvSpPr/>
+          <p:nvPr/>
+        </p:nvSpPr>
+        <p:spPr>
+          <a:xfrm>
+            <a:off x="7096305" y="3007849"/>
+            <a:ext cx="182880" cy="182880"/>
+          </a:xfrm>
+          <a:prstGeom prst="rect">
+            <a:avLst/>
+          </a:prstGeom>
+          <a:solidFill>
+            <a:schemeClr val="accent4"/>
+          </a:solidFill>
+        </p:spPr>
+        <p:style>
+          <a:lnRef idx="1">
+            <a:schemeClr val="accent1"/>
+          </a:lnRef>
+          <a:fillRef idx="3">
+            <a:schemeClr val="accent1"/>
+          </a:fillRef>
+          <a:effectRef idx="2">
+            <a:schemeClr val="accent1"/>
+          </a:effectRef>
+          <a:fontRef idx="minor">
+            <a:schemeClr val="lt1"/>
+          </a:fontRef>
+        </p:style>
+        <p:txBody>
+          <a:bodyPr rtlCol="0" anchor="ctr"/>
+          <a:lstStyle/>
+          <a:p>
+            <a:pPr algn="ctr"/>
+            <a:endParaRPr lang="en-US"/>
+          </a:p>
+        </p:txBody>
+      </p:sp>
+      <p:sp>
+        <p:nvSpPr>
+          <p:cNvPr id="97" name="TextBox 96"/>
+          <p:cNvSpPr txBox="1"/>
+          <p:nvPr/>
+        </p:nvSpPr>
+        <p:spPr>
+          <a:xfrm>
+            <a:off x="1296755" y="963279"/>
+            <a:ext cx="407484" cy="461665"/>
+          </a:xfrm>
+          <a:prstGeom prst="rect">
+            <a:avLst/>
+          </a:prstGeom>
+          <a:noFill/>
+        </p:spPr>
+        <p:txBody>
+          <a:bodyPr wrap="none" rtlCol="0">
+            <a:spAutoFit/>
+          </a:bodyPr>
+          <a:lstStyle/>
+          <a:p>
+            <a:r>
+              <a:rPr lang="en-US" sz="2400" dirty="0" smtClean="0">
+                <a:latin typeface="Times New Roman" pitchFamily="18" charset="0"/>
+                <a:cs typeface="Times New Roman" pitchFamily="18" charset="0"/>
+              </a:rPr>
+              <a:t>A</a:t>
+            </a:r>
+            <a:endParaRPr lang="en-US" sz="2400" dirty="0">
+              <a:latin typeface="Times New Roman" pitchFamily="18" charset="0"/>
+              <a:cs typeface="Times New Roman" pitchFamily="18" charset="0"/>
+            </a:endParaRPr>
+          </a:p>
+        </p:txBody>
+      </p:sp>
+      <p:sp>
+        <p:nvSpPr>
+          <p:cNvPr id="98" name="TextBox 97"/>
+          <p:cNvSpPr txBox="1"/>
+          <p:nvPr/>
+        </p:nvSpPr>
+        <p:spPr>
+          <a:xfrm>
+            <a:off x="1296755" y="1767162"/>
+            <a:ext cx="389850" cy="461665"/>
+          </a:xfrm>
+          <a:prstGeom prst="rect">
+            <a:avLst/>
+          </a:prstGeom>
+          <a:noFill/>
+        </p:spPr>
+        <p:txBody>
+          <a:bodyPr wrap="none" rtlCol="0">
+            <a:spAutoFit/>
+          </a:bodyPr>
+          <a:lstStyle/>
+          <a:p>
+            <a:r>
+              <a:rPr lang="en-US" sz="2400" dirty="0" smtClean="0">
+                <a:latin typeface="Times New Roman" pitchFamily="18" charset="0"/>
+                <a:cs typeface="Times New Roman" pitchFamily="18" charset="0"/>
+              </a:rPr>
+              <a:t>B</a:t>
+            </a:r>
+            <a:endParaRPr lang="en-US" sz="2400" dirty="0">
+              <a:latin typeface="Times New Roman" pitchFamily="18" charset="0"/>
+              <a:cs typeface="Times New Roman" pitchFamily="18" charset="0"/>
+            </a:endParaRPr>
+          </a:p>
+        </p:txBody>
+      </p:sp>
+      <p:sp>
+        <p:nvSpPr>
+          <p:cNvPr id="99" name="TextBox 98"/>
+          <p:cNvSpPr txBox="1"/>
+          <p:nvPr/>
+        </p:nvSpPr>
+        <p:spPr>
+          <a:xfrm>
+            <a:off x="1296755" y="2674540"/>
+            <a:ext cx="389850" cy="461665"/>
+          </a:xfrm>
+          <a:prstGeom prst="rect">
+            <a:avLst/>
+          </a:prstGeom>
+          <a:noFill/>
+        </p:spPr>
+        <p:txBody>
+          <a:bodyPr wrap="none" rtlCol="0">
+            <a:spAutoFit/>
+          </a:bodyPr>
+          <a:lstStyle/>
+          <a:p>
+            <a:r>
+              <a:rPr lang="en-US" sz="2400" dirty="0" smtClean="0">
+                <a:latin typeface="Times New Roman" pitchFamily="18" charset="0"/>
+                <a:cs typeface="Times New Roman" pitchFamily="18" charset="0"/>
+              </a:rPr>
+              <a:t>C</a:t>
+            </a:r>
+            <a:endParaRPr lang="en-US" sz="2400" dirty="0">
+              <a:latin typeface="Times New Roman" pitchFamily="18" charset="0"/>
+              <a:cs typeface="Times New Roman" pitchFamily="18" charset="0"/>
+            </a:endParaRPr>
+          </a:p>
+        </p:txBody>
+      </p:sp>
     </p:spTree>
   </p:cSld>
   <p:clrMapOvr>
